--- a/Lecture/Workflow/Workflow_Lecture.pptx
+++ b/Lecture/Workflow/Workflow_Lecture.pptx
@@ -6,10 +6,10 @@
     <p:sldMasterId id="2147483676" r:id="rId2"/>
   </p:sldMasterIdLst>
   <p:notesMasterIdLst>
-    <p:notesMasterId r:id="rId20"/>
+    <p:notesMasterId r:id="rId19"/>
   </p:notesMasterIdLst>
   <p:handoutMasterIdLst>
-    <p:handoutMasterId r:id="rId21"/>
+    <p:handoutMasterId r:id="rId20"/>
   </p:handoutMasterIdLst>
   <p:sldIdLst>
     <p:sldId id="320" r:id="rId3"/>
@@ -27,13 +27,12 @@
     <p:sldId id="341" r:id="rId15"/>
     <p:sldId id="342" r:id="rId16"/>
     <p:sldId id="343" r:id="rId17"/>
-    <p:sldId id="344" r:id="rId18"/>
-    <p:sldId id="329" r:id="rId19"/>
+    <p:sldId id="329" r:id="rId18"/>
   </p:sldIdLst>
   <p:sldSz cx="9144000" cy="6858000" type="screen4x3"/>
   <p:notesSz cx="6858000" cy="9144000"/>
   <p:custDataLst>
-    <p:tags r:id="rId22"/>
+    <p:tags r:id="rId21"/>
   </p:custDataLst>
   <p:defaultTextStyle>
     <a:defPPr>
@@ -292,7 +291,7 @@
               <a:pPr>
                 <a:defRPr/>
               </a:pPr>
-              <a:t>6/24/2019</a:t>
+              <a:t>8/12/2020</a:t>
             </a:fld>
             <a:endParaRPr lang="en-US" dirty="0"/>
           </a:p>
@@ -504,7 +503,7 @@
               <a:pPr>
                 <a:defRPr/>
               </a:pPr>
-              <a:t>6/24/2019</a:t>
+              <a:t>8/12/2020</a:t>
             </a:fld>
             <a:endParaRPr lang="en-US" dirty="0"/>
           </a:p>
@@ -1023,7 +1022,7 @@
               <a:pPr>
                 <a:defRPr/>
               </a:pPr>
-              <a:t>6/24/2019</a:t>
+              <a:t>8/12/2020</a:t>
             </a:fld>
             <a:endParaRPr lang="en-US" dirty="0"/>
           </a:p>
@@ -1213,7 +1212,7 @@
               <a:pPr>
                 <a:defRPr/>
               </a:pPr>
-              <a:t>6/24/2019</a:t>
+              <a:t>8/12/2020</a:t>
             </a:fld>
             <a:endParaRPr lang="en-US" dirty="0"/>
           </a:p>
@@ -1413,7 +1412,7 @@
               <a:pPr>
                 <a:defRPr/>
               </a:pPr>
-              <a:t>6/24/2019</a:t>
+              <a:t>8/12/2020</a:t>
             </a:fld>
             <a:endParaRPr lang="en-US" dirty="0"/>
           </a:p>
@@ -1681,7 +1680,7 @@
               <a:pPr>
                 <a:defRPr/>
               </a:pPr>
-              <a:t>6/24/2019</a:t>
+              <a:t>8/12/2020</a:t>
             </a:fld>
             <a:endParaRPr lang="en-US" dirty="0">
               <a:solidFill>
@@ -1895,7 +1894,7 @@
               <a:pPr>
                 <a:defRPr/>
               </a:pPr>
-              <a:t>6/24/2019</a:t>
+              <a:t>8/12/2020</a:t>
             </a:fld>
             <a:endParaRPr lang="en-US" dirty="0">
               <a:solidFill>
@@ -2186,7 +2185,7 @@
               <a:pPr>
                 <a:defRPr/>
               </a:pPr>
-              <a:t>6/24/2019</a:t>
+              <a:t>8/12/2020</a:t>
             </a:fld>
             <a:endParaRPr lang="en-US" dirty="0">
               <a:solidFill>
@@ -2517,7 +2516,7 @@
               <a:pPr>
                 <a:defRPr/>
               </a:pPr>
-              <a:t>6/24/2019</a:t>
+              <a:t>8/12/2020</a:t>
             </a:fld>
             <a:endParaRPr lang="en-US" dirty="0">
               <a:solidFill>
@@ -2982,7 +2981,7 @@
               <a:pPr>
                 <a:defRPr/>
               </a:pPr>
-              <a:t>6/24/2019</a:t>
+              <a:t>8/12/2020</a:t>
             </a:fld>
             <a:endParaRPr lang="en-US" dirty="0">
               <a:solidFill>
@@ -3145,7 +3144,7 @@
               <a:pPr>
                 <a:defRPr/>
               </a:pPr>
-              <a:t>6/24/2019</a:t>
+              <a:t>8/12/2020</a:t>
             </a:fld>
             <a:endParaRPr lang="en-US" dirty="0">
               <a:solidFill>
@@ -3286,7 +3285,7 @@
               <a:pPr>
                 <a:defRPr/>
               </a:pPr>
-              <a:t>6/24/2019</a:t>
+              <a:t>8/12/2020</a:t>
             </a:fld>
             <a:endParaRPr lang="en-US" dirty="0">
               <a:solidFill>
@@ -3607,7 +3606,7 @@
               <a:pPr>
                 <a:defRPr/>
               </a:pPr>
-              <a:t>6/24/2019</a:t>
+              <a:t>8/12/2020</a:t>
             </a:fld>
             <a:endParaRPr lang="en-US" dirty="0">
               <a:solidFill>
@@ -3815,7 +3814,7 @@
               <a:pPr>
                 <a:defRPr/>
               </a:pPr>
-              <a:t>6/24/2019</a:t>
+              <a:t>8/12/2020</a:t>
             </a:fld>
             <a:endParaRPr lang="en-US" dirty="0"/>
           </a:p>
@@ -4098,7 +4097,7 @@
               <a:pPr>
                 <a:defRPr/>
               </a:pPr>
-              <a:t>6/24/2019</a:t>
+              <a:t>8/12/2020</a:t>
             </a:fld>
             <a:endParaRPr lang="en-US" dirty="0">
               <a:solidFill>
@@ -4312,7 +4311,7 @@
               <a:pPr>
                 <a:defRPr/>
               </a:pPr>
-              <a:t>6/24/2019</a:t>
+              <a:t>8/12/2020</a:t>
             </a:fld>
             <a:endParaRPr lang="en-US" dirty="0">
               <a:solidFill>
@@ -4536,7 +4535,7 @@
               <a:pPr>
                 <a:defRPr/>
               </a:pPr>
-              <a:t>6/24/2019</a:t>
+              <a:t>8/12/2020</a:t>
             </a:fld>
             <a:endParaRPr lang="en-US" dirty="0">
               <a:solidFill>
@@ -4746,7 +4745,7 @@
               <a:pPr>
                 <a:defRPr/>
               </a:pPr>
-              <a:t>6/24/2019</a:t>
+              <a:t>8/12/2020</a:t>
             </a:fld>
             <a:endParaRPr lang="en-US" dirty="0">
               <a:solidFill>
@@ -5023,7 +5022,7 @@
               <a:pPr>
                 <a:defRPr/>
               </a:pPr>
-              <a:t>6/24/2019</a:t>
+              <a:t>8/12/2020</a:t>
             </a:fld>
             <a:endParaRPr lang="en-US" dirty="0"/>
           </a:p>
@@ -5330,7 +5329,7 @@
               <a:pPr>
                 <a:defRPr/>
               </a:pPr>
-              <a:t>6/24/2019</a:t>
+              <a:t>8/12/2020</a:t>
             </a:fld>
             <a:endParaRPr lang="en-US" dirty="0"/>
           </a:p>
@@ -5771,7 +5770,7 @@
               <a:pPr>
                 <a:defRPr/>
               </a:pPr>
-              <a:t>6/24/2019</a:t>
+              <a:t>8/12/2020</a:t>
             </a:fld>
             <a:endParaRPr lang="en-US" dirty="0"/>
           </a:p>
@@ -5910,7 +5909,7 @@
               <a:pPr>
                 <a:defRPr/>
               </a:pPr>
-              <a:t>6/24/2019</a:t>
+              <a:t>8/12/2020</a:t>
             </a:fld>
             <a:endParaRPr lang="en-US" dirty="0"/>
           </a:p>
@@ -6027,7 +6026,7 @@
               <a:pPr>
                 <a:defRPr/>
               </a:pPr>
-              <a:t>6/24/2019</a:t>
+              <a:t>8/12/2020</a:t>
             </a:fld>
             <a:endParaRPr lang="en-US" dirty="0"/>
           </a:p>
@@ -6324,7 +6323,7 @@
               <a:pPr>
                 <a:defRPr/>
               </a:pPr>
-              <a:t>6/24/2019</a:t>
+              <a:t>8/12/2020</a:t>
             </a:fld>
             <a:endParaRPr lang="en-US" dirty="0"/>
           </a:p>
@@ -6601,7 +6600,7 @@
               <a:pPr>
                 <a:defRPr/>
               </a:pPr>
-              <a:t>6/24/2019</a:t>
+              <a:t>8/12/2020</a:t>
             </a:fld>
             <a:endParaRPr lang="en-US" dirty="0"/>
           </a:p>
@@ -6858,7 +6857,7 @@
               <a:pPr>
                 <a:defRPr/>
               </a:pPr>
-              <a:t>6/24/2019</a:t>
+              <a:t>8/12/2020</a:t>
             </a:fld>
             <a:endParaRPr lang="en-US" dirty="0"/>
           </a:p>
@@ -7568,7 +7567,7 @@
               <a:pPr>
                 <a:defRPr/>
               </a:pPr>
-              <a:t>6/24/2019</a:t>
+              <a:t>8/12/2020</a:t>
             </a:fld>
             <a:endParaRPr lang="en-US" dirty="0">
               <a:solidFill>
@@ -11110,526 +11109,6 @@
       </p:grpSpPr>
       <p:sp>
         <p:nvSpPr>
-          <p:cNvPr id="9" name="Content Placeholder 2">
-            <a:extLst>
-              <a:ext uri="{FF2B5EF4-FFF2-40B4-BE49-F238E27FC236}">
-                <a16:creationId xmlns:a16="http://schemas.microsoft.com/office/drawing/2014/main" id="{C9B1624B-95AA-41B6-A6E1-2BEA66BC7357}"/>
-              </a:ext>
-            </a:extLst>
-          </p:cNvPr>
-          <p:cNvSpPr txBox="1">
-            <a:spLocks/>
-          </p:cNvSpPr>
-          <p:nvPr/>
-        </p:nvSpPr>
-        <p:spPr bwMode="auto">
-          <a:xfrm>
-            <a:off x="3632495" y="677334"/>
-            <a:ext cx="5359103" cy="5833533"/>
-          </a:xfrm>
-          <a:prstGeom prst="rect">
-            <a:avLst/>
-          </a:prstGeom>
-        </p:spPr>
-        <p:txBody>
-          <a:bodyPr vert="horz" lIns="91440" tIns="45720" rIns="91440" bIns="45720" numCol="1" rtlCol="0" anchorCtr="0" compatLnSpc="1">
-            <a:prstTxWarp prst="textNoShape">
-              <a:avLst/>
-            </a:prstTxWarp>
-            <a:noAutofit/>
-          </a:bodyPr>
-          <a:lstStyle>
-            <a:lvl1pPr marL="342900" indent="-342900" algn="l" defTabSz="457200" rtl="0" eaLnBrk="0" fontAlgn="base" hangingPunct="0">
-              <a:spcBef>
-                <a:spcPct val="20000"/>
-              </a:spcBef>
-              <a:spcAft>
-                <a:spcPct val="0"/>
-              </a:spcAft>
-              <a:buFont typeface="Arial" charset="0"/>
-              <a:buChar char="•"/>
-              <a:defRPr sz="3200" kern="1200">
-                <a:solidFill>
-                  <a:schemeClr val="tx1"/>
-                </a:solidFill>
-                <a:latin typeface="+mn-lt"/>
-                <a:ea typeface="ＭＳ Ｐゴシック" pitchFamily="-109" charset="-128"/>
-                <a:cs typeface="ＭＳ Ｐゴシック" pitchFamily="-109" charset="-128"/>
-              </a:defRPr>
-            </a:lvl1pPr>
-            <a:lvl2pPr marL="742950" indent="-285750" algn="l" defTabSz="457200" rtl="0" eaLnBrk="0" fontAlgn="base" hangingPunct="0">
-              <a:spcBef>
-                <a:spcPct val="20000"/>
-              </a:spcBef>
-              <a:spcAft>
-                <a:spcPct val="0"/>
-              </a:spcAft>
-              <a:buFont typeface="Arial" charset="0"/>
-              <a:buChar char="–"/>
-              <a:defRPr sz="2800" kern="1200">
-                <a:solidFill>
-                  <a:schemeClr val="tx1"/>
-                </a:solidFill>
-                <a:latin typeface="+mn-lt"/>
-                <a:ea typeface="ＭＳ Ｐゴシック" pitchFamily="-109" charset="-128"/>
-                <a:cs typeface="+mn-cs"/>
-              </a:defRPr>
-            </a:lvl2pPr>
-            <a:lvl3pPr marL="1143000" indent="-228600" algn="l" defTabSz="457200" rtl="0" eaLnBrk="0" fontAlgn="base" hangingPunct="0">
-              <a:spcBef>
-                <a:spcPct val="20000"/>
-              </a:spcBef>
-              <a:spcAft>
-                <a:spcPct val="0"/>
-              </a:spcAft>
-              <a:buFont typeface="Arial" charset="0"/>
-              <a:buChar char="•"/>
-              <a:defRPr sz="2400" kern="1200">
-                <a:solidFill>
-                  <a:schemeClr val="tx1"/>
-                </a:solidFill>
-                <a:latin typeface="+mn-lt"/>
-                <a:ea typeface="ＭＳ Ｐゴシック" pitchFamily="-109" charset="-128"/>
-                <a:cs typeface="+mn-cs"/>
-              </a:defRPr>
-            </a:lvl3pPr>
-            <a:lvl4pPr marL="1600200" indent="-228600" algn="l" defTabSz="457200" rtl="0" eaLnBrk="0" fontAlgn="base" hangingPunct="0">
-              <a:spcBef>
-                <a:spcPct val="20000"/>
-              </a:spcBef>
-              <a:spcAft>
-                <a:spcPct val="0"/>
-              </a:spcAft>
-              <a:buFont typeface="Arial" charset="0"/>
-              <a:buChar char="–"/>
-              <a:defRPr sz="2000" kern="1200">
-                <a:solidFill>
-                  <a:schemeClr val="tx1"/>
-                </a:solidFill>
-                <a:latin typeface="+mn-lt"/>
-                <a:ea typeface="ＭＳ Ｐゴシック" pitchFamily="-109" charset="-128"/>
-                <a:cs typeface="+mn-cs"/>
-              </a:defRPr>
-            </a:lvl4pPr>
-            <a:lvl5pPr marL="2057400" indent="-228600" algn="l" defTabSz="457200" rtl="0" eaLnBrk="0" fontAlgn="base" hangingPunct="0">
-              <a:spcBef>
-                <a:spcPct val="20000"/>
-              </a:spcBef>
-              <a:spcAft>
-                <a:spcPct val="0"/>
-              </a:spcAft>
-              <a:buFont typeface="Arial" charset="0"/>
-              <a:buChar char="»"/>
-              <a:defRPr sz="2000" kern="1200">
-                <a:solidFill>
-                  <a:schemeClr val="tx1"/>
-                </a:solidFill>
-                <a:latin typeface="+mn-lt"/>
-                <a:ea typeface="ＭＳ Ｐゴシック" pitchFamily="-109" charset="-128"/>
-                <a:cs typeface="+mn-cs"/>
-              </a:defRPr>
-            </a:lvl5pPr>
-            <a:lvl6pPr marL="2514600" indent="-228600" algn="l" defTabSz="457200" rtl="0" eaLnBrk="1" latinLnBrk="0" hangingPunct="1">
-              <a:spcBef>
-                <a:spcPct val="20000"/>
-              </a:spcBef>
-              <a:buFont typeface="Arial"/>
-              <a:buChar char="•"/>
-              <a:defRPr sz="2000" kern="1200">
-                <a:solidFill>
-                  <a:schemeClr val="tx1"/>
-                </a:solidFill>
-                <a:latin typeface="+mn-lt"/>
-                <a:ea typeface="+mn-ea"/>
-                <a:cs typeface="+mn-cs"/>
-              </a:defRPr>
-            </a:lvl6pPr>
-            <a:lvl7pPr marL="2971800" indent="-228600" algn="l" defTabSz="457200" rtl="0" eaLnBrk="1" latinLnBrk="0" hangingPunct="1">
-              <a:spcBef>
-                <a:spcPct val="20000"/>
-              </a:spcBef>
-              <a:buFont typeface="Arial"/>
-              <a:buChar char="•"/>
-              <a:defRPr sz="2000" kern="1200">
-                <a:solidFill>
-                  <a:schemeClr val="tx1"/>
-                </a:solidFill>
-                <a:latin typeface="+mn-lt"/>
-                <a:ea typeface="+mn-ea"/>
-                <a:cs typeface="+mn-cs"/>
-              </a:defRPr>
-            </a:lvl7pPr>
-            <a:lvl8pPr marL="3429000" indent="-228600" algn="l" defTabSz="457200" rtl="0" eaLnBrk="1" latinLnBrk="0" hangingPunct="1">
-              <a:spcBef>
-                <a:spcPct val="20000"/>
-              </a:spcBef>
-              <a:buFont typeface="Arial"/>
-              <a:buChar char="•"/>
-              <a:defRPr sz="2000" kern="1200">
-                <a:solidFill>
-                  <a:schemeClr val="tx1"/>
-                </a:solidFill>
-                <a:latin typeface="+mn-lt"/>
-                <a:ea typeface="+mn-ea"/>
-                <a:cs typeface="+mn-cs"/>
-              </a:defRPr>
-            </a:lvl8pPr>
-            <a:lvl9pPr marL="3886200" indent="-228600" algn="l" defTabSz="457200" rtl="0" eaLnBrk="1" latinLnBrk="0" hangingPunct="1">
-              <a:spcBef>
-                <a:spcPct val="20000"/>
-              </a:spcBef>
-              <a:buFont typeface="Arial"/>
-              <a:buChar char="•"/>
-              <a:defRPr sz="2000" kern="1200">
-                <a:solidFill>
-                  <a:schemeClr val="tx1"/>
-                </a:solidFill>
-                <a:latin typeface="+mn-lt"/>
-                <a:ea typeface="+mn-ea"/>
-                <a:cs typeface="+mn-cs"/>
-              </a:defRPr>
-            </a:lvl9pPr>
-          </a:lstStyle>
-          <a:p>
-            <a:pPr marL="114300" indent="0" defTabSz="914400" eaLnBrk="1" hangingPunct="1">
-              <a:lnSpc>
-                <a:spcPct val="90000"/>
-              </a:lnSpc>
-              <a:buNone/>
-            </a:pPr>
-            <a:r>
-              <a:rPr lang="en-US" sz="4800" b="1" dirty="0">
-                <a:solidFill>
-                  <a:srgbClr val="404040"/>
-                </a:solidFill>
-                <a:ea typeface="+mn-ea"/>
-              </a:rPr>
-              <a:t>Now, let us </a:t>
-            </a:r>
-          </a:p>
-          <a:p>
-            <a:pPr marL="114300" indent="0" defTabSz="914400" eaLnBrk="1" hangingPunct="1">
-              <a:lnSpc>
-                <a:spcPct val="90000"/>
-              </a:lnSpc>
-              <a:buNone/>
-            </a:pPr>
-            <a:r>
-              <a:rPr lang="en-US" sz="9600" b="1" dirty="0">
-                <a:solidFill>
-                  <a:srgbClr val="404040"/>
-                </a:solidFill>
-                <a:ea typeface="+mn-ea"/>
-              </a:rPr>
-              <a:t>PRACTICE</a:t>
-            </a:r>
-            <a:endParaRPr lang="en-US" sz="9600" b="1" dirty="0">
-              <a:solidFill>
-                <a:srgbClr val="404040"/>
-              </a:solidFill>
-              <a:ea typeface="+mn-ea"/>
-              <a:cs typeface="+mn-cs"/>
-            </a:endParaRPr>
-          </a:p>
-          <a:p>
-            <a:pPr marL="114300" indent="0" defTabSz="914400" eaLnBrk="1" hangingPunct="1">
-              <a:lnSpc>
-                <a:spcPct val="90000"/>
-              </a:lnSpc>
-              <a:buNone/>
-            </a:pPr>
-            <a:endParaRPr lang="en-US" sz="2400" dirty="0">
-              <a:solidFill>
-                <a:srgbClr val="404040"/>
-              </a:solidFill>
-              <a:ea typeface="+mn-ea"/>
-              <a:cs typeface="+mn-cs"/>
-            </a:endParaRPr>
-          </a:p>
-          <a:p>
-            <a:pPr marL="114300" indent="0" defTabSz="914400" eaLnBrk="1" hangingPunct="1">
-              <a:lnSpc>
-                <a:spcPct val="90000"/>
-              </a:lnSpc>
-              <a:buNone/>
-            </a:pPr>
-            <a:r>
-              <a:rPr lang="en-US" sz="2800" b="1" dirty="0">
-                <a:solidFill>
-                  <a:srgbClr val="404040"/>
-                </a:solidFill>
-                <a:ea typeface="+mn-ea"/>
-              </a:rPr>
-              <a:t>Download the </a:t>
-            </a:r>
-            <a:r>
-              <a:rPr lang="en-US" sz="2800" b="1" dirty="0" err="1">
-                <a:solidFill>
-                  <a:srgbClr val="404040"/>
-                </a:solidFill>
-                <a:ea typeface="+mn-ea"/>
-              </a:rPr>
-              <a:t>Rmd</a:t>
-            </a:r>
-            <a:r>
-              <a:rPr lang="en-US" sz="2800" b="1" dirty="0">
-                <a:solidFill>
-                  <a:srgbClr val="404040"/>
-                </a:solidFill>
-                <a:ea typeface="+mn-ea"/>
-              </a:rPr>
-              <a:t>  for Tutorial 2 to Your Computer from the Course Website and open the file in RStudio</a:t>
-            </a:r>
-            <a:r>
-              <a:rPr lang="en-US" sz="2000" b="1" dirty="0">
-                <a:solidFill>
-                  <a:srgbClr val="404040"/>
-                </a:solidFill>
-                <a:ea typeface="+mn-ea"/>
-              </a:rPr>
-              <a:t>	</a:t>
-            </a:r>
-          </a:p>
-          <a:p>
-            <a:pPr lvl="1" indent="-228600" defTabSz="914400" eaLnBrk="1" hangingPunct="1">
-              <a:lnSpc>
-                <a:spcPct val="90000"/>
-              </a:lnSpc>
-              <a:buFont typeface="Arial" panose="020B0604020202020204" pitchFamily="34" charset="0"/>
-              <a:buChar char="•"/>
-            </a:pPr>
-            <a:endParaRPr lang="en-US" sz="2000" dirty="0">
-              <a:solidFill>
-                <a:srgbClr val="404040"/>
-              </a:solidFill>
-              <a:ea typeface="+mn-ea"/>
-            </a:endParaRPr>
-          </a:p>
-          <a:p>
-            <a:pPr marL="114300" indent="0" defTabSz="914400" eaLnBrk="1" hangingPunct="1">
-              <a:lnSpc>
-                <a:spcPct val="90000"/>
-              </a:lnSpc>
-              <a:buNone/>
-            </a:pPr>
-            <a:endParaRPr lang="en-US" sz="2400" dirty="0">
-              <a:solidFill>
-                <a:srgbClr val="404040"/>
-              </a:solidFill>
-              <a:ea typeface="+mn-ea"/>
-              <a:cs typeface="+mn-cs"/>
-            </a:endParaRPr>
-          </a:p>
-        </p:txBody>
-      </p:sp>
-      <p:sp>
-        <p:nvSpPr>
-          <p:cNvPr id="15" name="Rectangle 12">
-            <a:extLst>
-              <a:ext uri="{FF2B5EF4-FFF2-40B4-BE49-F238E27FC236}">
-                <a16:creationId xmlns:a16="http://schemas.microsoft.com/office/drawing/2014/main" id="{867D4867-5BA7-4462-B2F6-A23F4A622AA7}"/>
-              </a:ext>
-              <a:ext uri="{C183D7F6-B498-43B3-948B-1728B52AA6E4}">
-                <adec:decorative xmlns:adec="http://schemas.microsoft.com/office/drawing/2017/decorative" val="1"/>
-              </a:ext>
-            </a:extLst>
-          </p:cNvPr>
-          <p:cNvSpPr>
-            <a:spLocks noGrp="1" noRot="1" noChangeAspect="1" noMove="1" noResize="1" noEditPoints="1" noAdjustHandles="1" noChangeArrowheads="1" noChangeShapeType="1" noTextEdit="1"/>
-          </p:cNvSpPr>
-          <p:nvPr>
-            <p:extLst>
-              <p:ext uri="{386F3935-93C4-4BCD-93E2-E3B085C9AB24}">
-                <p16:designElem xmlns:p16="http://schemas.microsoft.com/office/powerpoint/2015/main" val="1"/>
-              </p:ext>
-            </p:extLst>
-          </p:nvPr>
-        </p:nvSpPr>
-        <p:spPr>
-          <a:xfrm>
-            <a:off x="0" y="0"/>
-            <a:ext cx="3490722" cy="6858000"/>
-          </a:xfrm>
-          <a:prstGeom prst="rect">
-            <a:avLst/>
-          </a:prstGeom>
-          <a:solidFill>
-            <a:schemeClr val="tx1">
-              <a:lumMod val="75000"/>
-              <a:lumOff val="25000"/>
-            </a:schemeClr>
-          </a:solidFill>
-          <a:ln>
-            <a:noFill/>
-          </a:ln>
-        </p:spPr>
-        <p:style>
-          <a:lnRef idx="0">
-            <a:scrgbClr r="0" g="0" b="0"/>
-          </a:lnRef>
-          <a:fillRef idx="0">
-            <a:scrgbClr r="0" g="0" b="0"/>
-          </a:fillRef>
-          <a:effectRef idx="0">
-            <a:scrgbClr r="0" g="0" b="0"/>
-          </a:effectRef>
-          <a:fontRef idx="minor">
-            <a:schemeClr val="lt1"/>
-          </a:fontRef>
-        </p:style>
-        <p:txBody>
-          <a:bodyPr rtlCol="0" anchor="ctr"/>
-          <a:lstStyle/>
-          <a:p>
-            <a:pPr algn="ctr"/>
-            <a:endParaRPr lang="en-US"/>
-          </a:p>
-        </p:txBody>
-      </p:sp>
-      <p:sp>
-        <p:nvSpPr>
-          <p:cNvPr id="2" name="Title 1"/>
-          <p:cNvSpPr>
-            <a:spLocks noGrp="1"/>
-          </p:cNvSpPr>
-          <p:nvPr>
-            <p:ph type="title"/>
-          </p:nvPr>
-        </p:nvSpPr>
-        <p:spPr>
-          <a:xfrm>
-            <a:off x="482600" y="643467"/>
-            <a:ext cx="2522980" cy="1597315"/>
-          </a:xfrm>
-          <a:noFill/>
-          <a:ln w="19050">
-            <a:solidFill>
-              <a:schemeClr val="bg1"/>
-            </a:solidFill>
-          </a:ln>
-        </p:spPr>
-        <p:txBody>
-          <a:bodyPr vert="horz" wrap="square" lIns="91440" tIns="45720" rIns="91440" bIns="45720" rtlCol="0" anchor="ctr">
-            <a:normAutofit/>
-          </a:bodyPr>
-          <a:lstStyle/>
-          <a:p>
-            <a:pPr defTabSz="914400" eaLnBrk="1" hangingPunct="1">
-              <a:lnSpc>
-                <a:spcPct val="90000"/>
-              </a:lnSpc>
-            </a:pPr>
-            <a:r>
-              <a:rPr lang="en-US" sz="2400" kern="1200" dirty="0">
-                <a:solidFill>
-                  <a:schemeClr val="bg1"/>
-                </a:solidFill>
-                <a:latin typeface="+mj-lt"/>
-                <a:ea typeface="+mj-ea"/>
-                <a:cs typeface="+mj-cs"/>
-              </a:rPr>
-              <a:t> </a:t>
-            </a:r>
-            <a:r>
-              <a:rPr lang="en-US" sz="2400" kern="1200" dirty="0" err="1">
-                <a:solidFill>
-                  <a:schemeClr val="bg1"/>
-                </a:solidFill>
-                <a:latin typeface="+mj-lt"/>
-                <a:ea typeface="+mj-ea"/>
-                <a:cs typeface="+mj-cs"/>
-              </a:rPr>
-              <a:t>RMarkdown</a:t>
-            </a:r>
-            <a:r>
-              <a:rPr lang="en-US" sz="2400" kern="1200" dirty="0">
-                <a:solidFill>
-                  <a:schemeClr val="bg1"/>
-                </a:solidFill>
-                <a:latin typeface="+mj-lt"/>
-                <a:ea typeface="+mj-ea"/>
-                <a:cs typeface="+mj-cs"/>
-              </a:rPr>
-              <a:t> Training</a:t>
-            </a:r>
-          </a:p>
-        </p:txBody>
-      </p:sp>
-      <p:pic>
-        <p:nvPicPr>
-          <p:cNvPr id="8" name="Picture 7">
-            <a:extLst>
-              <a:ext uri="{FF2B5EF4-FFF2-40B4-BE49-F238E27FC236}">
-                <a16:creationId xmlns:a16="http://schemas.microsoft.com/office/drawing/2014/main" id="{521D4292-9ECC-4DA5-8CC0-C561A0DA118E}"/>
-              </a:ext>
-            </a:extLst>
-          </p:cNvPr>
-          <p:cNvPicPr>
-            <a:picLocks noChangeAspect="1"/>
-          </p:cNvPicPr>
-          <p:nvPr/>
-        </p:nvPicPr>
-        <p:blipFill rotWithShape="1">
-          <a:blip r:embed="rId3"/>
-          <a:srcRect l="8000" r="9400"/>
-          <a:stretch/>
-        </p:blipFill>
-        <p:spPr>
-          <a:xfrm>
-            <a:off x="660103" y="3048000"/>
-            <a:ext cx="2167974" cy="2624666"/>
-          </a:xfrm>
-          <a:prstGeom prst="rect">
-            <a:avLst/>
-          </a:prstGeom>
-          <a:noFill/>
-        </p:spPr>
-      </p:pic>
-    </p:spTree>
-    <p:custDataLst>
-      <p:tags r:id="rId1"/>
-    </p:custDataLst>
-    <p:extLst>
-      <p:ext uri="{BB962C8B-B14F-4D97-AF65-F5344CB8AC3E}">
-        <p14:creationId xmlns:p14="http://schemas.microsoft.com/office/powerpoint/2010/main" val="3394265656"/>
-      </p:ext>
-    </p:extLst>
-  </p:cSld>
-  <p:clrMapOvr>
-    <a:masterClrMapping/>
-  </p:clrMapOvr>
-</p:sld>
-</file>
-
-<file path=ppt/slides/slide17.xml><?xml version="1.0" encoding="utf-8"?>
-<p:sld xmlns:a="http://schemas.openxmlformats.org/drawingml/2006/main" xmlns:r="http://schemas.openxmlformats.org/officeDocument/2006/relationships" xmlns:p="http://schemas.openxmlformats.org/presentationml/2006/main">
-  <p:cSld>
-    <p:bg>
-      <p:bgPr>
-        <a:solidFill>
-          <a:schemeClr val="bg1">
-            <a:lumMod val="85000"/>
-          </a:schemeClr>
-        </a:solidFill>
-        <a:effectLst/>
-      </p:bgPr>
-    </p:bg>
-    <p:spTree>
-      <p:nvGrpSpPr>
-        <p:cNvPr id="1" name=""/>
-        <p:cNvGrpSpPr/>
-        <p:nvPr/>
-      </p:nvGrpSpPr>
-      <p:grpSpPr>
-        <a:xfrm>
-          <a:off x="0" y="0"/>
-          <a:ext cx="0" cy="0"/>
-          <a:chOff x="0" y="0"/>
-          <a:chExt cx="0" cy="0"/>
-        </a:xfrm>
-      </p:grpSpPr>
-      <p:sp>
-        <p:nvSpPr>
           <p:cNvPr id="15" name="Rectangle 12">
             <a:extLst>
               <a:ext uri="{FF2B5EF4-FFF2-40B4-BE49-F238E27FC236}">
@@ -17372,12 +16851,6 @@
 </file>
 
 <file path=ppt/tags/tag17.xml><?xml version="1.0" encoding="utf-8"?>
-<p:tagLst xmlns:a="http://schemas.openxmlformats.org/drawingml/2006/main" xmlns:r="http://schemas.openxmlformats.org/officeDocument/2006/relationships" xmlns:p="http://schemas.openxmlformats.org/presentationml/2006/main">
-  <p:tag name="DELIMITERS" val="3.1"/>
-</p:tagLst>
-</file>
-
-<file path=ppt/tags/tag18.xml><?xml version="1.0" encoding="utf-8"?>
 <p:tagLst xmlns:a="http://schemas.openxmlformats.org/drawingml/2006/main" xmlns:r="http://schemas.openxmlformats.org/officeDocument/2006/relationships" xmlns:p="http://schemas.openxmlformats.org/presentationml/2006/main">
   <p:tag name="DELIMITERS" val="3.1"/>
 </p:tagLst>

--- a/Lecture/Workflow/Workflow_Lecture.pptx
+++ b/Lecture/Workflow/Workflow_Lecture.pptx
@@ -291,7 +291,7 @@
               <a:pPr>
                 <a:defRPr/>
               </a:pPr>
-              <a:t>8/12/2020</a:t>
+              <a:t>8/13/2020</a:t>
             </a:fld>
             <a:endParaRPr lang="en-US" dirty="0"/>
           </a:p>
@@ -503,7 +503,7 @@
               <a:pPr>
                 <a:defRPr/>
               </a:pPr>
-              <a:t>8/12/2020</a:t>
+              <a:t>8/13/2020</a:t>
             </a:fld>
             <a:endParaRPr lang="en-US" dirty="0"/>
           </a:p>
@@ -1022,7 +1022,7 @@
               <a:pPr>
                 <a:defRPr/>
               </a:pPr>
-              <a:t>8/12/2020</a:t>
+              <a:t>8/13/2020</a:t>
             </a:fld>
             <a:endParaRPr lang="en-US" dirty="0"/>
           </a:p>
@@ -1212,7 +1212,7 @@
               <a:pPr>
                 <a:defRPr/>
               </a:pPr>
-              <a:t>8/12/2020</a:t>
+              <a:t>8/13/2020</a:t>
             </a:fld>
             <a:endParaRPr lang="en-US" dirty="0"/>
           </a:p>
@@ -1412,7 +1412,7 @@
               <a:pPr>
                 <a:defRPr/>
               </a:pPr>
-              <a:t>8/12/2020</a:t>
+              <a:t>8/13/2020</a:t>
             </a:fld>
             <a:endParaRPr lang="en-US" dirty="0"/>
           </a:p>
@@ -1680,7 +1680,7 @@
               <a:pPr>
                 <a:defRPr/>
               </a:pPr>
-              <a:t>8/12/2020</a:t>
+              <a:t>8/13/2020</a:t>
             </a:fld>
             <a:endParaRPr lang="en-US" dirty="0">
               <a:solidFill>
@@ -1894,7 +1894,7 @@
               <a:pPr>
                 <a:defRPr/>
               </a:pPr>
-              <a:t>8/12/2020</a:t>
+              <a:t>8/13/2020</a:t>
             </a:fld>
             <a:endParaRPr lang="en-US" dirty="0">
               <a:solidFill>
@@ -2185,7 +2185,7 @@
               <a:pPr>
                 <a:defRPr/>
               </a:pPr>
-              <a:t>8/12/2020</a:t>
+              <a:t>8/13/2020</a:t>
             </a:fld>
             <a:endParaRPr lang="en-US" dirty="0">
               <a:solidFill>
@@ -2516,7 +2516,7 @@
               <a:pPr>
                 <a:defRPr/>
               </a:pPr>
-              <a:t>8/12/2020</a:t>
+              <a:t>8/13/2020</a:t>
             </a:fld>
             <a:endParaRPr lang="en-US" dirty="0">
               <a:solidFill>
@@ -2981,7 +2981,7 @@
               <a:pPr>
                 <a:defRPr/>
               </a:pPr>
-              <a:t>8/12/2020</a:t>
+              <a:t>8/13/2020</a:t>
             </a:fld>
             <a:endParaRPr lang="en-US" dirty="0">
               <a:solidFill>
@@ -3144,7 +3144,7 @@
               <a:pPr>
                 <a:defRPr/>
               </a:pPr>
-              <a:t>8/12/2020</a:t>
+              <a:t>8/13/2020</a:t>
             </a:fld>
             <a:endParaRPr lang="en-US" dirty="0">
               <a:solidFill>
@@ -3285,7 +3285,7 @@
               <a:pPr>
                 <a:defRPr/>
               </a:pPr>
-              <a:t>8/12/2020</a:t>
+              <a:t>8/13/2020</a:t>
             </a:fld>
             <a:endParaRPr lang="en-US" dirty="0">
               <a:solidFill>
@@ -3606,7 +3606,7 @@
               <a:pPr>
                 <a:defRPr/>
               </a:pPr>
-              <a:t>8/12/2020</a:t>
+              <a:t>8/13/2020</a:t>
             </a:fld>
             <a:endParaRPr lang="en-US" dirty="0">
               <a:solidFill>
@@ -3814,7 +3814,7 @@
               <a:pPr>
                 <a:defRPr/>
               </a:pPr>
-              <a:t>8/12/2020</a:t>
+              <a:t>8/13/2020</a:t>
             </a:fld>
             <a:endParaRPr lang="en-US" dirty="0"/>
           </a:p>
@@ -4097,7 +4097,7 @@
               <a:pPr>
                 <a:defRPr/>
               </a:pPr>
-              <a:t>8/12/2020</a:t>
+              <a:t>8/13/2020</a:t>
             </a:fld>
             <a:endParaRPr lang="en-US" dirty="0">
               <a:solidFill>
@@ -4311,7 +4311,7 @@
               <a:pPr>
                 <a:defRPr/>
               </a:pPr>
-              <a:t>8/12/2020</a:t>
+              <a:t>8/13/2020</a:t>
             </a:fld>
             <a:endParaRPr lang="en-US" dirty="0">
               <a:solidFill>
@@ -4535,7 +4535,7 @@
               <a:pPr>
                 <a:defRPr/>
               </a:pPr>
-              <a:t>8/12/2020</a:t>
+              <a:t>8/13/2020</a:t>
             </a:fld>
             <a:endParaRPr lang="en-US" dirty="0">
               <a:solidFill>
@@ -4745,7 +4745,7 @@
               <a:pPr>
                 <a:defRPr/>
               </a:pPr>
-              <a:t>8/12/2020</a:t>
+              <a:t>8/13/2020</a:t>
             </a:fld>
             <a:endParaRPr lang="en-US" dirty="0">
               <a:solidFill>
@@ -5022,7 +5022,7 @@
               <a:pPr>
                 <a:defRPr/>
               </a:pPr>
-              <a:t>8/12/2020</a:t>
+              <a:t>8/13/2020</a:t>
             </a:fld>
             <a:endParaRPr lang="en-US" dirty="0"/>
           </a:p>
@@ -5329,7 +5329,7 @@
               <a:pPr>
                 <a:defRPr/>
               </a:pPr>
-              <a:t>8/12/2020</a:t>
+              <a:t>8/13/2020</a:t>
             </a:fld>
             <a:endParaRPr lang="en-US" dirty="0"/>
           </a:p>
@@ -5770,7 +5770,7 @@
               <a:pPr>
                 <a:defRPr/>
               </a:pPr>
-              <a:t>8/12/2020</a:t>
+              <a:t>8/13/2020</a:t>
             </a:fld>
             <a:endParaRPr lang="en-US" dirty="0"/>
           </a:p>
@@ -5909,7 +5909,7 @@
               <a:pPr>
                 <a:defRPr/>
               </a:pPr>
-              <a:t>8/12/2020</a:t>
+              <a:t>8/13/2020</a:t>
             </a:fld>
             <a:endParaRPr lang="en-US" dirty="0"/>
           </a:p>
@@ -6026,7 +6026,7 @@
               <a:pPr>
                 <a:defRPr/>
               </a:pPr>
-              <a:t>8/12/2020</a:t>
+              <a:t>8/13/2020</a:t>
             </a:fld>
             <a:endParaRPr lang="en-US" dirty="0"/>
           </a:p>
@@ -6323,7 +6323,7 @@
               <a:pPr>
                 <a:defRPr/>
               </a:pPr>
-              <a:t>8/12/2020</a:t>
+              <a:t>8/13/2020</a:t>
             </a:fld>
             <a:endParaRPr lang="en-US" dirty="0"/>
           </a:p>
@@ -6600,7 +6600,7 @@
               <a:pPr>
                 <a:defRPr/>
               </a:pPr>
-              <a:t>8/12/2020</a:t>
+              <a:t>8/13/2020</a:t>
             </a:fld>
             <a:endParaRPr lang="en-US" dirty="0"/>
           </a:p>
@@ -6857,7 +6857,7 @@
               <a:pPr>
                 <a:defRPr/>
               </a:pPr>
-              <a:t>8/12/2020</a:t>
+              <a:t>8/13/2020</a:t>
             </a:fld>
             <a:endParaRPr lang="en-US" dirty="0"/>
           </a:p>
@@ -7567,7 +7567,7 @@
               <a:pPr>
                 <a:defRPr/>
               </a:pPr>
-              <a:t>8/12/2020</a:t>
+              <a:t>8/13/2020</a:t>
             </a:fld>
             <a:endParaRPr lang="en-US" dirty="0">
               <a:solidFill>
